--- a/template.pptx
+++ b/template.pptx
@@ -110,6 +110,22 @@
       </a:defRPr>
     </a:lvl9pPr>
   </p:defaultTextStyle>
+  <p:extLst>
+    <p:ext uri="{EFAFB233-063F-42B5-8137-9DF3F51BA10A}">
+      <p15:sldGuideLst xmlns:p15="http://schemas.microsoft.com/office/powerpoint/2012/main">
+        <p15:guide id="1" orient="horz" pos="2160" userDrawn="1">
+          <p15:clr>
+            <a:srgbClr val="A4A3A4"/>
+          </p15:clr>
+        </p15:guide>
+        <p15:guide id="2" pos="3840" userDrawn="1">
+          <p15:clr>
+            <a:srgbClr val="A4A3A4"/>
+          </p15:clr>
+        </p15:guide>
+      </p15:sldGuideLst>
+    </p:ext>
+  </p:extLst>
 </p:presentation>
 </file>
 
@@ -941,8 +957,8 @@
               <a:effectLst/>
               <a:uLnTx/>
               <a:uFillTx/>
-              <a:latin typeface="Arial" panose="02080604020202020204" pitchFamily="34" charset="0"/>
-              <a:ea typeface="SimSun" pitchFamily="2" charset="-122"/>
+              <a:latin typeface="Arial" panose="020B0604020202090204" pitchFamily="34" charset="0"/>
+              <a:ea typeface="宋体" pitchFamily="2" charset="-122"/>
               <a:cs typeface="+mn-cs"/>
             </a:endParaRPr>
           </a:p>
@@ -989,8 +1005,8 @@
               <a:effectLst/>
               <a:uLnTx/>
               <a:uFillTx/>
-              <a:latin typeface="Arial" panose="02080604020202020204" pitchFamily="34" charset="0"/>
-              <a:ea typeface="SimSun" pitchFamily="2" charset="-122"/>
+              <a:latin typeface="Arial" panose="020B0604020202090204" pitchFamily="34" charset="0"/>
+              <a:ea typeface="宋体" pitchFamily="2" charset="-122"/>
               <a:cs typeface="+mn-cs"/>
             </a:endParaRPr>
           </a:p>
@@ -1038,8 +1054,8 @@
                 <a:effectLst/>
                 <a:uLnTx/>
                 <a:uFillTx/>
-                <a:latin typeface="Arial" panose="02080604020202020204" pitchFamily="34" charset="0"/>
-                <a:ea typeface="SimSun" pitchFamily="2" charset="-122"/>
+                <a:latin typeface="Arial" panose="020B0604020202090204" pitchFamily="34" charset="0"/>
+                <a:ea typeface="宋体" pitchFamily="2" charset="-122"/>
                 <a:cs typeface="+mn-cs"/>
               </a:rPr>
             </a:fld>
@@ -1053,8 +1069,8 @@
               <a:effectLst/>
               <a:uLnTx/>
               <a:uFillTx/>
-              <a:latin typeface="Arial" panose="02080604020202020204" pitchFamily="34" charset="0"/>
-              <a:ea typeface="SimSun" pitchFamily="2" charset="-122"/>
+              <a:latin typeface="Arial" panose="020B0604020202090204" pitchFamily="34" charset="0"/>
+              <a:ea typeface="宋体" pitchFamily="2" charset="-122"/>
               <a:cs typeface="+mn-cs"/>
             </a:endParaRPr>
           </a:p>
@@ -2707,8 +2723,8 @@
               <a:effectLst/>
               <a:uLnTx/>
               <a:uFillTx/>
-              <a:latin typeface="Arial" panose="02080604020202020204" pitchFamily="34" charset="0"/>
-              <a:ea typeface="SimSun" pitchFamily="2" charset="-122"/>
+              <a:latin typeface="Arial" panose="020B0604020202090204" pitchFamily="34" charset="0"/>
+              <a:ea typeface="宋体" pitchFamily="2" charset="-122"/>
               <a:cs typeface="+mn-cs"/>
             </a:endParaRPr>
           </a:p>
@@ -2755,8 +2771,8 @@
               <a:effectLst/>
               <a:uLnTx/>
               <a:uFillTx/>
-              <a:latin typeface="Arial" panose="02080604020202020204" pitchFamily="34" charset="0"/>
-              <a:ea typeface="SimSun" pitchFamily="2" charset="-122"/>
+              <a:latin typeface="Arial" panose="020B0604020202090204" pitchFamily="34" charset="0"/>
+              <a:ea typeface="宋体" pitchFamily="2" charset="-122"/>
               <a:cs typeface="+mn-cs"/>
             </a:endParaRPr>
           </a:p>
@@ -2804,8 +2820,8 @@
                 <a:effectLst/>
                 <a:uLnTx/>
                 <a:uFillTx/>
-                <a:latin typeface="Arial" panose="02080604020202020204" pitchFamily="34" charset="0"/>
-                <a:ea typeface="SimSun" pitchFamily="2" charset="-122"/>
+                <a:latin typeface="Arial" panose="020B0604020202090204" pitchFamily="34" charset="0"/>
+                <a:ea typeface="宋体" pitchFamily="2" charset="-122"/>
                 <a:cs typeface="+mn-cs"/>
               </a:rPr>
             </a:fld>
@@ -2819,8 +2835,8 @@
               <a:effectLst/>
               <a:uLnTx/>
               <a:uFillTx/>
-              <a:latin typeface="Arial" panose="02080604020202020204" pitchFamily="34" charset="0"/>
-              <a:ea typeface="SimSun" pitchFamily="2" charset="-122"/>
+              <a:latin typeface="Arial" panose="020B0604020202090204" pitchFamily="34" charset="0"/>
+              <a:ea typeface="宋体" pitchFamily="2" charset="-122"/>
               <a:cs typeface="+mn-cs"/>
             </a:endParaRPr>
           </a:p>
@@ -3564,7 +3580,7 @@
         <a:spcAft>
           <a:spcPct val="0"/>
         </a:spcAft>
-        <a:buFont typeface="Arial" panose="02080604020202020204" pitchFamily="34" charset="0"/>
+        <a:buFont typeface="Arial" panose="020B0604020202090204" pitchFamily="34" charset="0"/>
         <a:buNone/>
         <a:defRPr sz="1800" b="0" i="0" u="none" kern="1200" baseline="0">
           <a:solidFill>
@@ -3585,13 +3601,13 @@
         <a:spcAft>
           <a:spcPct val="0"/>
         </a:spcAft>
-        <a:buFont typeface="Arial" panose="02080604020202020204" pitchFamily="34" charset="0"/>
+        <a:buFont typeface="Arial" panose="020B0604020202090204" pitchFamily="34" charset="0"/>
         <a:buNone/>
         <a:defRPr b="0" i="0" u="none" kern="1200" baseline="0">
           <a:solidFill>
             <a:schemeClr val="tx1"/>
           </a:solidFill>
-          <a:latin typeface="Arial" panose="02080604020202020204" pitchFamily="34" charset="0"/>
+          <a:latin typeface="Arial" panose="020B0604020202090204" pitchFamily="34" charset="0"/>
           <a:ea typeface="+mn-ea"/>
           <a:cs typeface="+mn-cs"/>
         </a:defRPr>
@@ -3606,13 +3622,13 @@
         <a:spcAft>
           <a:spcPct val="0"/>
         </a:spcAft>
-        <a:buFont typeface="Arial" panose="02080604020202020204" pitchFamily="34" charset="0"/>
+        <a:buFont typeface="Arial" panose="020B0604020202090204" pitchFamily="34" charset="0"/>
         <a:buNone/>
         <a:defRPr b="0" i="0" u="none" kern="1200" baseline="0">
           <a:solidFill>
             <a:schemeClr val="tx1"/>
           </a:solidFill>
-          <a:latin typeface="Arial" panose="02080604020202020204" pitchFamily="34" charset="0"/>
+          <a:latin typeface="Arial" panose="020B0604020202090204" pitchFamily="34" charset="0"/>
           <a:ea typeface="+mn-ea"/>
           <a:cs typeface="+mn-cs"/>
         </a:defRPr>
@@ -3627,13 +3643,13 @@
         <a:spcAft>
           <a:spcPct val="0"/>
         </a:spcAft>
-        <a:buFont typeface="Arial" panose="02080604020202020204" pitchFamily="34" charset="0"/>
+        <a:buFont typeface="Arial" panose="020B0604020202090204" pitchFamily="34" charset="0"/>
         <a:buNone/>
         <a:defRPr b="0" i="0" u="none" kern="1200" baseline="0">
           <a:solidFill>
             <a:schemeClr val="tx1"/>
           </a:solidFill>
-          <a:latin typeface="Arial" panose="02080604020202020204" pitchFamily="34" charset="0"/>
+          <a:latin typeface="Arial" panose="020B0604020202090204" pitchFamily="34" charset="0"/>
           <a:ea typeface="+mn-ea"/>
           <a:cs typeface="+mn-cs"/>
         </a:defRPr>
@@ -3648,13 +3664,13 @@
         <a:spcAft>
           <a:spcPct val="0"/>
         </a:spcAft>
-        <a:buFont typeface="Arial" panose="02080604020202020204" pitchFamily="34" charset="0"/>
+        <a:buFont typeface="Arial" panose="020B0604020202090204" pitchFamily="34" charset="0"/>
         <a:buNone/>
         <a:defRPr b="0" i="0" u="none" kern="1200" baseline="0">
           <a:solidFill>
             <a:schemeClr val="tx1"/>
           </a:solidFill>
-          <a:latin typeface="Arial" panose="02080604020202020204" pitchFamily="34" charset="0"/>
+          <a:latin typeface="Arial" panose="020B0604020202090204" pitchFamily="34" charset="0"/>
           <a:ea typeface="+mn-ea"/>
           <a:cs typeface="+mn-cs"/>
         </a:defRPr>
@@ -3669,13 +3685,13 @@
         <a:spcAft>
           <a:spcPct val="0"/>
         </a:spcAft>
-        <a:buFont typeface="Arial" panose="02080604020202020204" pitchFamily="34" charset="0"/>
+        <a:buFont typeface="Arial" panose="020B0604020202090204" pitchFamily="34" charset="0"/>
         <a:buNone/>
         <a:defRPr b="0" i="0" u="none" kern="1200" baseline="0">
           <a:solidFill>
             <a:schemeClr val="tx1"/>
           </a:solidFill>
-          <a:latin typeface="Arial" panose="02080604020202020204" pitchFamily="34" charset="0"/>
+          <a:latin typeface="Arial" panose="020B0604020202090204" pitchFamily="34" charset="0"/>
           <a:ea typeface="+mn-ea"/>
           <a:cs typeface="+mn-cs"/>
         </a:defRPr>
@@ -3690,13 +3706,13 @@
         <a:spcAft>
           <a:spcPct val="0"/>
         </a:spcAft>
-        <a:buFont typeface="Arial" panose="02080604020202020204" pitchFamily="34" charset="0"/>
+        <a:buFont typeface="Arial" panose="020B0604020202090204" pitchFamily="34" charset="0"/>
         <a:buNone/>
         <a:defRPr b="0" i="0" u="none" kern="1200" baseline="0">
           <a:solidFill>
             <a:schemeClr val="tx1"/>
           </a:solidFill>
-          <a:latin typeface="Arial" panose="02080604020202020204" pitchFamily="34" charset="0"/>
+          <a:latin typeface="Arial" panose="020B0604020202090204" pitchFamily="34" charset="0"/>
           <a:ea typeface="+mn-ea"/>
           <a:cs typeface="+mn-cs"/>
         </a:defRPr>
@@ -3711,13 +3727,13 @@
         <a:spcAft>
           <a:spcPct val="0"/>
         </a:spcAft>
-        <a:buFont typeface="Arial" panose="02080604020202020204" pitchFamily="34" charset="0"/>
+        <a:buFont typeface="Arial" panose="020B0604020202090204" pitchFamily="34" charset="0"/>
         <a:buNone/>
         <a:defRPr b="0" i="0" u="none" kern="1200" baseline="0">
           <a:solidFill>
             <a:schemeClr val="tx1"/>
           </a:solidFill>
-          <a:latin typeface="Arial" panose="02080604020202020204" pitchFamily="34" charset="0"/>
+          <a:latin typeface="Arial" panose="020B0604020202090204" pitchFamily="34" charset="0"/>
           <a:ea typeface="+mn-ea"/>
           <a:cs typeface="+mn-cs"/>
         </a:defRPr>
@@ -3732,13 +3748,13 @@
         <a:spcAft>
           <a:spcPct val="0"/>
         </a:spcAft>
-        <a:buFont typeface="Arial" panose="02080604020202020204" pitchFamily="34" charset="0"/>
+        <a:buFont typeface="Arial" panose="020B0604020202090204" pitchFamily="34" charset="0"/>
         <a:buNone/>
         <a:defRPr b="0" i="0" u="none" kern="1200" baseline="0">
           <a:solidFill>
             <a:schemeClr val="tx1"/>
           </a:solidFill>
-          <a:latin typeface="Arial" panose="02080604020202020204" pitchFamily="34" charset="0"/>
+          <a:latin typeface="Arial" panose="020B0604020202090204" pitchFamily="34" charset="0"/>
           <a:ea typeface="+mn-ea"/>
           <a:cs typeface="+mn-cs"/>
         </a:defRPr>
@@ -3789,12 +3805,12 @@
             <a:pPr algn="ctr"/>
             <a:r>
               <a:rPr lang="zh-CN" altLang="en-US" sz="5400">
-                <a:ea typeface="SimSun" charset="0"/>
+                <a:ea typeface="宋体" charset="0"/>
               </a:rPr>
               <a:t>日文单词</a:t>
             </a:r>
             <a:endParaRPr lang="zh-CN" altLang="en-US" sz="5400">
-              <a:ea typeface="SimSun" charset="0"/>
+              <a:ea typeface="宋体" charset="0"/>
             </a:endParaRPr>
           </a:p>
         </p:txBody>
@@ -3823,12 +3839,12 @@
             <a:pPr algn="ctr"/>
             <a:r>
               <a:rPr lang="ja-JP" altLang="en-US" sz="5400">
-                <a:ea typeface="SimSun" charset="0"/>
+                <a:ea typeface="宋体" charset="0"/>
               </a:rPr>
               <a:t>日文音标</a:t>
             </a:r>
             <a:endParaRPr lang="ja-JP" altLang="en-US" sz="5400">
-              <a:ea typeface="SimSun" charset="0"/>
+              <a:ea typeface="宋体" charset="0"/>
             </a:endParaRPr>
           </a:p>
         </p:txBody>
@@ -3857,12 +3873,12 @@
             <a:pPr algn="r"/>
             <a:r>
               <a:rPr lang="en-US" altLang="ja-JP" sz="5400">
-                <a:ea typeface="SimSun" charset="0"/>
+                <a:ea typeface="宋体" charset="0"/>
               </a:rPr>
               <a:t>序号</a:t>
             </a:r>
             <a:endParaRPr lang="en-US" altLang="ja-JP" sz="5400">
-              <a:ea typeface="SimSun" charset="0"/>
+              <a:ea typeface="宋体" charset="0"/>
             </a:endParaRPr>
           </a:p>
         </p:txBody>
